--- a/Material_JS/0 - Js Instalação.pptx
+++ b/Material_JS/0 - Js Instalação.pptx
@@ -10,10 +10,13 @@
     <p:sldId id="264" r:id="rId4"/>
     <p:sldId id="263" r:id="rId5"/>
     <p:sldId id="257" r:id="rId6"/>
-    <p:sldId id="259" r:id="rId7"/>
-    <p:sldId id="258" r:id="rId8"/>
-    <p:sldId id="260" r:id="rId9"/>
-    <p:sldId id="265" r:id="rId10"/>
+    <p:sldId id="266" r:id="rId7"/>
+    <p:sldId id="267" r:id="rId8"/>
+    <p:sldId id="268" r:id="rId9"/>
+    <p:sldId id="259" r:id="rId10"/>
+    <p:sldId id="258" r:id="rId11"/>
+    <p:sldId id="260" r:id="rId12"/>
+    <p:sldId id="265" r:id="rId13"/>
   </p:sldIdLst>
   <p:sldSz cx="12192000" cy="6858000"/>
   <p:notesSz cx="6858000" cy="9144000"/>
@@ -408,7 +411,7 @@
             <a:fld id="{9334D819-9F07-4261-B09B-9E467E5D9002}" type="datetimeFigureOut">
               <a:rPr lang="en-US" smtClean="0"/>
               <a:pPr/>
-              <a:t>5/14/2024</a:t>
+              <a:t>5/22/2024</a:t>
             </a:fld>
             <a:endParaRPr lang="en-US" dirty="0"/>
           </a:p>
@@ -728,7 +731,7 @@
             <a:fld id="{9334D819-9F07-4261-B09B-9E467E5D9002}" type="datetimeFigureOut">
               <a:rPr lang="en-US" smtClean="0"/>
               <a:pPr/>
-              <a:t>5/14/2024</a:t>
+              <a:t>5/22/2024</a:t>
             </a:fld>
             <a:endParaRPr lang="en-US" dirty="0"/>
           </a:p>
@@ -1218,7 +1221,7 @@
             <a:fld id="{9334D819-9F07-4261-B09B-9E467E5D9002}" type="datetimeFigureOut">
               <a:rPr lang="en-US" smtClean="0"/>
               <a:pPr/>
-              <a:t>5/14/2024</a:t>
+              <a:t>5/22/2024</a:t>
             </a:fld>
             <a:endParaRPr lang="en-US" dirty="0"/>
           </a:p>
@@ -1589,7 +1592,7 @@
             <a:fld id="{9334D819-9F07-4261-B09B-9E467E5D9002}" type="datetimeFigureOut">
               <a:rPr lang="en-US" smtClean="0"/>
               <a:pPr/>
-              <a:t>5/14/2024</a:t>
+              <a:t>5/22/2024</a:t>
             </a:fld>
             <a:endParaRPr lang="en-US" dirty="0"/>
           </a:p>
@@ -1863,7 +1866,7 @@
           <a:p>
             <a:fld id="{9334D819-9F07-4261-B09B-9E467E5D9002}" type="datetimeFigureOut">
               <a:rPr lang="en-US" smtClean="0"/>
-              <a:t>5/14/2024</a:t>
+              <a:t>5/22/2024</a:t>
             </a:fld>
             <a:endParaRPr lang="en-US" dirty="0"/>
           </a:p>
@@ -2148,7 +2151,7 @@
           <a:p>
             <a:fld id="{9334D819-9F07-4261-B09B-9E467E5D9002}" type="datetimeFigureOut">
               <a:rPr lang="en-US" smtClean="0"/>
-              <a:t>5/14/2024</a:t>
+              <a:t>5/22/2024</a:t>
             </a:fld>
             <a:endParaRPr lang="en-US" dirty="0"/>
           </a:p>
@@ -2431,7 +2434,7 @@
           <a:p>
             <a:fld id="{9334D819-9F07-4261-B09B-9E467E5D9002}" type="datetimeFigureOut">
               <a:rPr lang="en-US" smtClean="0"/>
-              <a:t>5/14/2024</a:t>
+              <a:t>5/22/2024</a:t>
             </a:fld>
             <a:endParaRPr lang="en-US" dirty="0"/>
           </a:p>
@@ -2775,7 +2778,7 @@
             <a:fld id="{9334D819-9F07-4261-B09B-9E467E5D9002}" type="datetimeFigureOut">
               <a:rPr lang="en-US" smtClean="0"/>
               <a:pPr/>
-              <a:t>5/14/2024</a:t>
+              <a:t>5/22/2024</a:t>
             </a:fld>
             <a:endParaRPr lang="en-US" dirty="0"/>
           </a:p>
@@ -3115,7 +3118,7 @@
           <a:p>
             <a:fld id="{9334D819-9F07-4261-B09B-9E467E5D9002}" type="datetimeFigureOut">
               <a:rPr lang="en-US" smtClean="0"/>
-              <a:t>5/14/2024</a:t>
+              <a:t>5/22/2024</a:t>
             </a:fld>
             <a:endParaRPr lang="en-US" dirty="0"/>
           </a:p>
@@ -3597,7 +3600,7 @@
           <a:p>
             <a:fld id="{9334D819-9F07-4261-B09B-9E467E5D9002}" type="datetimeFigureOut">
               <a:rPr lang="en-US" smtClean="0"/>
-              <a:t>5/14/2024</a:t>
+              <a:t>5/22/2024</a:t>
             </a:fld>
             <a:endParaRPr lang="en-US" dirty="0"/>
           </a:p>
@@ -3823,7 +3826,7 @@
           <a:p>
             <a:fld id="{9334D819-9F07-4261-B09B-9E467E5D9002}" type="datetimeFigureOut">
               <a:rPr lang="en-US" smtClean="0"/>
-              <a:t>5/14/2024</a:t>
+              <a:t>5/22/2024</a:t>
             </a:fld>
             <a:endParaRPr lang="en-US" dirty="0"/>
           </a:p>
@@ -3918,7 +3921,7 @@
           <a:p>
             <a:fld id="{9334D819-9F07-4261-B09B-9E467E5D9002}" type="datetimeFigureOut">
               <a:rPr lang="en-US" smtClean="0"/>
-              <a:t>5/14/2024</a:t>
+              <a:t>5/22/2024</a:t>
             </a:fld>
             <a:endParaRPr lang="en-US" dirty="0"/>
           </a:p>
@@ -4385,7 +4388,7 @@
           <a:p>
             <a:fld id="{9334D819-9F07-4261-B09B-9E467E5D9002}" type="datetimeFigureOut">
               <a:rPr lang="en-US" smtClean="0"/>
-              <a:t>5/14/2024</a:t>
+              <a:t>5/22/2024</a:t>
             </a:fld>
             <a:endParaRPr lang="en-US" dirty="0"/>
           </a:p>
@@ -4704,7 +4707,7 @@
             <a:fld id="{9334D819-9F07-4261-B09B-9E467E5D9002}" type="datetimeFigureOut">
               <a:rPr lang="en-US" smtClean="0"/>
               <a:pPr/>
-              <a:t>5/14/2024</a:t>
+              <a:t>5/22/2024</a:t>
             </a:fld>
             <a:endParaRPr lang="en-US" dirty="0"/>
           </a:p>
@@ -4976,7 +4979,7 @@
             <a:fld id="{9334D819-9F07-4261-B09B-9E467E5D9002}" type="datetimeFigureOut">
               <a:rPr lang="en-US" smtClean="0"/>
               <a:pPr/>
-              <a:t>5/14/2024</a:t>
+              <a:t>5/22/2024</a:t>
             </a:fld>
             <a:endParaRPr lang="en-US" dirty="0"/>
           </a:p>
@@ -5564,6 +5567,714 @@
 </p:sld>
 </file>
 
+<file path=ppt/slides/slide10.xml><?xml version="1.0" encoding="utf-8"?>
+<p:sld xmlns:a="http://schemas.openxmlformats.org/drawingml/2006/main" xmlns:r="http://schemas.openxmlformats.org/officeDocument/2006/relationships" xmlns:p="http://schemas.openxmlformats.org/presentationml/2006/main">
+  <p:cSld>
+    <p:spTree>
+      <p:nvGrpSpPr>
+        <p:cNvPr id="1" name=""/>
+        <p:cNvGrpSpPr/>
+        <p:nvPr/>
+      </p:nvGrpSpPr>
+      <p:grpSpPr>
+        <a:xfrm>
+          <a:off x="0" y="0"/>
+          <a:ext cx="0" cy="0"/>
+          <a:chOff x="0" y="0"/>
+          <a:chExt cx="0" cy="0"/>
+        </a:xfrm>
+      </p:grpSpPr>
+      <p:pic>
+        <p:nvPicPr>
+          <p:cNvPr id="6" name="Imagem 5">
+            <a:extLst>
+              <a:ext uri="{FF2B5EF4-FFF2-40B4-BE49-F238E27FC236}">
+                <a16:creationId xmlns:a16="http://schemas.microsoft.com/office/drawing/2014/main" id="{09F8100F-3F42-0A68-7DFC-9486A37975B1}"/>
+              </a:ext>
+            </a:extLst>
+          </p:cNvPr>
+          <p:cNvPicPr>
+            <a:picLocks noChangeAspect="1"/>
+          </p:cNvPicPr>
+          <p:nvPr/>
+        </p:nvPicPr>
+        <p:blipFill>
+          <a:blip r:embed="rId2"/>
+          <a:stretch>
+            <a:fillRect/>
+          </a:stretch>
+        </p:blipFill>
+        <p:spPr>
+          <a:xfrm>
+            <a:off x="0" y="0"/>
+            <a:ext cx="3962953" cy="6858000"/>
+          </a:xfrm>
+          <a:prstGeom prst="rect">
+            <a:avLst/>
+          </a:prstGeom>
+        </p:spPr>
+      </p:pic>
+      <p:sp>
+        <p:nvSpPr>
+          <p:cNvPr id="7" name="CaixaDeTexto 6">
+            <a:extLst>
+              <a:ext uri="{FF2B5EF4-FFF2-40B4-BE49-F238E27FC236}">
+                <a16:creationId xmlns:a16="http://schemas.microsoft.com/office/drawing/2014/main" id="{2AC170C4-9491-2CEB-0C17-E9EAC58BB31A}"/>
+              </a:ext>
+            </a:extLst>
+          </p:cNvPr>
+          <p:cNvSpPr txBox="1"/>
+          <p:nvPr/>
+        </p:nvSpPr>
+        <p:spPr>
+          <a:xfrm>
+            <a:off x="4184724" y="1893346"/>
+            <a:ext cx="2452744" cy="923330"/>
+          </a:xfrm>
+          <a:prstGeom prst="rect">
+            <a:avLst/>
+          </a:prstGeom>
+        </p:spPr>
+        <p:style>
+          <a:lnRef idx="2">
+            <a:schemeClr val="accent1">
+              <a:shade val="50000"/>
+            </a:schemeClr>
+          </a:lnRef>
+          <a:fillRef idx="1">
+            <a:schemeClr val="accent1"/>
+          </a:fillRef>
+          <a:effectRef idx="0">
+            <a:schemeClr val="accent1"/>
+          </a:effectRef>
+          <a:fontRef idx="minor">
+            <a:schemeClr val="lt1"/>
+          </a:fontRef>
+        </p:style>
+        <p:txBody>
+          <a:bodyPr wrap="square" rtlCol="0">
+            <a:spAutoFit/>
+          </a:bodyPr>
+          <a:lstStyle/>
+          <a:p>
+            <a:r>
+              <a:rPr lang="pt-BR" b="1" dirty="0">
+                <a:solidFill>
+                  <a:schemeClr val="tx1"/>
+                </a:solidFill>
+              </a:rPr>
+              <a:t>Crie uma pasta</a:t>
+            </a:r>
+          </a:p>
+          <a:p>
+            <a:r>
+              <a:rPr lang="pt-BR" b="1" dirty="0">
+                <a:solidFill>
+                  <a:schemeClr val="tx1"/>
+                </a:solidFill>
+              </a:rPr>
+              <a:t>Depois abra a pasta no </a:t>
+            </a:r>
+            <a:r>
+              <a:rPr lang="pt-BR" b="1" dirty="0" err="1">
+                <a:solidFill>
+                  <a:schemeClr val="tx1"/>
+                </a:solidFill>
+              </a:rPr>
+              <a:t>VSCode</a:t>
+            </a:r>
+            <a:endParaRPr lang="pt-BR" b="1" dirty="0">
+              <a:solidFill>
+                <a:schemeClr val="tx1"/>
+              </a:solidFill>
+            </a:endParaRPr>
+          </a:p>
+        </p:txBody>
+      </p:sp>
+      <p:cxnSp>
+        <p:nvCxnSpPr>
+          <p:cNvPr id="9" name="Conector de Seta Reta 8">
+            <a:extLst>
+              <a:ext uri="{FF2B5EF4-FFF2-40B4-BE49-F238E27FC236}">
+                <a16:creationId xmlns:a16="http://schemas.microsoft.com/office/drawing/2014/main" id="{916BAF64-032E-83D0-3268-C94A8076BABC}"/>
+              </a:ext>
+            </a:extLst>
+          </p:cNvPr>
+          <p:cNvCxnSpPr>
+            <a:cxnSpLocks/>
+          </p:cNvCxnSpPr>
+          <p:nvPr/>
+        </p:nvCxnSpPr>
+        <p:spPr>
+          <a:xfrm flipV="1">
+            <a:off x="2710927" y="570155"/>
+            <a:ext cx="3041105" cy="1441525"/>
+          </a:xfrm>
+          <a:prstGeom prst="straightConnector1">
+            <a:avLst/>
+          </a:prstGeom>
+          <a:ln>
+            <a:tailEnd type="triangle"/>
+          </a:ln>
+        </p:spPr>
+        <p:style>
+          <a:lnRef idx="1">
+            <a:schemeClr val="accent1"/>
+          </a:lnRef>
+          <a:fillRef idx="0">
+            <a:schemeClr val="accent1"/>
+          </a:fillRef>
+          <a:effectRef idx="0">
+            <a:schemeClr val="accent1"/>
+          </a:effectRef>
+          <a:fontRef idx="minor">
+            <a:schemeClr val="tx1"/>
+          </a:fontRef>
+        </p:style>
+      </p:cxnSp>
+      <p:pic>
+        <p:nvPicPr>
+          <p:cNvPr id="4" name="Imagem 3">
+            <a:extLst>
+              <a:ext uri="{FF2B5EF4-FFF2-40B4-BE49-F238E27FC236}">
+                <a16:creationId xmlns:a16="http://schemas.microsoft.com/office/drawing/2014/main" id="{29F0A2CE-77F2-A429-F81A-ACFD91AC8D60}"/>
+              </a:ext>
+            </a:extLst>
+          </p:cNvPr>
+          <p:cNvPicPr>
+            <a:picLocks noChangeAspect="1"/>
+          </p:cNvPicPr>
+          <p:nvPr/>
+        </p:nvPicPr>
+        <p:blipFill>
+          <a:blip r:embed="rId3"/>
+          <a:stretch>
+            <a:fillRect/>
+          </a:stretch>
+        </p:blipFill>
+        <p:spPr>
+          <a:xfrm>
+            <a:off x="5826037" y="136707"/>
+            <a:ext cx="847843" cy="866896"/>
+          </a:xfrm>
+          <a:prstGeom prst="rect">
+            <a:avLst/>
+          </a:prstGeom>
+        </p:spPr>
+      </p:pic>
+    </p:spTree>
+    <p:extLst>
+      <p:ext uri="{BB962C8B-B14F-4D97-AF65-F5344CB8AC3E}">
+        <p14:creationId xmlns:p14="http://schemas.microsoft.com/office/powerpoint/2010/main" val="2165762738"/>
+      </p:ext>
+    </p:extLst>
+  </p:cSld>
+  <p:clrMapOvr>
+    <a:masterClrMapping/>
+  </p:clrMapOvr>
+</p:sld>
+</file>
+
+<file path=ppt/slides/slide11.xml><?xml version="1.0" encoding="utf-8"?>
+<p:sld xmlns:a="http://schemas.openxmlformats.org/drawingml/2006/main" xmlns:r="http://schemas.openxmlformats.org/officeDocument/2006/relationships" xmlns:p="http://schemas.openxmlformats.org/presentationml/2006/main">
+  <p:cSld>
+    <p:spTree>
+      <p:nvGrpSpPr>
+        <p:cNvPr id="1" name=""/>
+        <p:cNvGrpSpPr/>
+        <p:nvPr/>
+      </p:nvGrpSpPr>
+      <p:grpSpPr>
+        <a:xfrm>
+          <a:off x="0" y="0"/>
+          <a:ext cx="0" cy="0"/>
+          <a:chOff x="0" y="0"/>
+          <a:chExt cx="0" cy="0"/>
+        </a:xfrm>
+      </p:grpSpPr>
+      <p:pic>
+        <p:nvPicPr>
+          <p:cNvPr id="4" name="Imagem 3">
+            <a:extLst>
+              <a:ext uri="{FF2B5EF4-FFF2-40B4-BE49-F238E27FC236}">
+                <a16:creationId xmlns:a16="http://schemas.microsoft.com/office/drawing/2014/main" id="{3CF2275A-008A-7B7F-C7CE-F7FD5EC5129F}"/>
+              </a:ext>
+            </a:extLst>
+          </p:cNvPr>
+          <p:cNvPicPr>
+            <a:picLocks noChangeAspect="1"/>
+          </p:cNvPicPr>
+          <p:nvPr/>
+        </p:nvPicPr>
+        <p:blipFill>
+          <a:blip r:embed="rId2"/>
+          <a:stretch>
+            <a:fillRect/>
+          </a:stretch>
+        </p:blipFill>
+        <p:spPr>
+          <a:xfrm>
+            <a:off x="74912" y="144584"/>
+            <a:ext cx="12117088" cy="6713415"/>
+          </a:xfrm>
+          <a:prstGeom prst="rect">
+            <a:avLst/>
+          </a:prstGeom>
+        </p:spPr>
+      </p:pic>
+      <p:sp>
+        <p:nvSpPr>
+          <p:cNvPr id="5" name="CaixaDeTexto 4">
+            <a:extLst>
+              <a:ext uri="{FF2B5EF4-FFF2-40B4-BE49-F238E27FC236}">
+                <a16:creationId xmlns:a16="http://schemas.microsoft.com/office/drawing/2014/main" id="{44AB5B33-B7D2-8BB4-208C-4110683C6A56}"/>
+              </a:ext>
+            </a:extLst>
+          </p:cNvPr>
+          <p:cNvSpPr txBox="1"/>
+          <p:nvPr/>
+        </p:nvSpPr>
+        <p:spPr>
+          <a:xfrm>
+            <a:off x="559396" y="2732443"/>
+            <a:ext cx="2969111" cy="646331"/>
+          </a:xfrm>
+          <a:prstGeom prst="rect">
+            <a:avLst/>
+          </a:prstGeom>
+        </p:spPr>
+        <p:style>
+          <a:lnRef idx="2">
+            <a:schemeClr val="accent1">
+              <a:shade val="50000"/>
+            </a:schemeClr>
+          </a:lnRef>
+          <a:fillRef idx="1">
+            <a:schemeClr val="accent1"/>
+          </a:fillRef>
+          <a:effectRef idx="0">
+            <a:schemeClr val="accent1"/>
+          </a:effectRef>
+          <a:fontRef idx="minor">
+            <a:schemeClr val="lt1"/>
+          </a:fontRef>
+        </p:style>
+        <p:txBody>
+          <a:bodyPr wrap="square" rtlCol="0">
+            <a:spAutoFit/>
+          </a:bodyPr>
+          <a:lstStyle/>
+          <a:p>
+            <a:r>
+              <a:rPr lang="pt-BR" b="1" dirty="0">
+                <a:solidFill>
+                  <a:schemeClr val="tx1"/>
+                </a:solidFill>
+              </a:rPr>
+              <a:t>Criar Primeiro arquivo</a:t>
+            </a:r>
+          </a:p>
+          <a:p>
+            <a:r>
+              <a:rPr lang="pt-BR" b="1" dirty="0">
+                <a:solidFill>
+                  <a:schemeClr val="tx1"/>
+                </a:solidFill>
+              </a:rPr>
+              <a:t>Aula1.JS</a:t>
+            </a:r>
+          </a:p>
+        </p:txBody>
+      </p:sp>
+      <p:cxnSp>
+        <p:nvCxnSpPr>
+          <p:cNvPr id="7" name="Conector de Seta Reta 6">
+            <a:extLst>
+              <a:ext uri="{FF2B5EF4-FFF2-40B4-BE49-F238E27FC236}">
+                <a16:creationId xmlns:a16="http://schemas.microsoft.com/office/drawing/2014/main" id="{E847693E-B158-5CD9-7BA3-30704D6D2437}"/>
+              </a:ext>
+            </a:extLst>
+          </p:cNvPr>
+          <p:cNvCxnSpPr>
+            <a:cxnSpLocks/>
+          </p:cNvCxnSpPr>
+          <p:nvPr/>
+        </p:nvCxnSpPr>
+        <p:spPr>
+          <a:xfrm flipV="1">
+            <a:off x="1796527" y="1686726"/>
+            <a:ext cx="1850315" cy="916625"/>
+          </a:xfrm>
+          <a:prstGeom prst="straightConnector1">
+            <a:avLst/>
+          </a:prstGeom>
+          <a:ln>
+            <a:tailEnd type="triangle"/>
+          </a:ln>
+        </p:spPr>
+        <p:style>
+          <a:lnRef idx="1">
+            <a:schemeClr val="accent1"/>
+          </a:lnRef>
+          <a:fillRef idx="0">
+            <a:schemeClr val="accent1"/>
+          </a:fillRef>
+          <a:effectRef idx="0">
+            <a:schemeClr val="accent1"/>
+          </a:effectRef>
+          <a:fontRef idx="minor">
+            <a:schemeClr val="tx1"/>
+          </a:fontRef>
+        </p:style>
+      </p:cxnSp>
+      <p:sp>
+        <p:nvSpPr>
+          <p:cNvPr id="9" name="CaixaDeTexto 8">
+            <a:extLst>
+              <a:ext uri="{FF2B5EF4-FFF2-40B4-BE49-F238E27FC236}">
+                <a16:creationId xmlns:a16="http://schemas.microsoft.com/office/drawing/2014/main" id="{AC5A6E8D-39E0-0F39-E7B5-A747C8233464}"/>
+              </a:ext>
+            </a:extLst>
+          </p:cNvPr>
+          <p:cNvSpPr txBox="1"/>
+          <p:nvPr/>
+        </p:nvSpPr>
+        <p:spPr>
+          <a:xfrm>
+            <a:off x="5439782" y="1957020"/>
+            <a:ext cx="2969111" cy="646331"/>
+          </a:xfrm>
+          <a:prstGeom prst="rect">
+            <a:avLst/>
+          </a:prstGeom>
+        </p:spPr>
+        <p:style>
+          <a:lnRef idx="2">
+            <a:schemeClr val="accent1">
+              <a:shade val="50000"/>
+            </a:schemeClr>
+          </a:lnRef>
+          <a:fillRef idx="1">
+            <a:schemeClr val="accent1"/>
+          </a:fillRef>
+          <a:effectRef idx="0">
+            <a:schemeClr val="accent1"/>
+          </a:effectRef>
+          <a:fontRef idx="minor">
+            <a:schemeClr val="lt1"/>
+          </a:fontRef>
+        </p:style>
+        <p:txBody>
+          <a:bodyPr wrap="square" rtlCol="0">
+            <a:spAutoFit/>
+          </a:bodyPr>
+          <a:lstStyle/>
+          <a:p>
+            <a:r>
+              <a:rPr lang="pt-BR" b="1" dirty="0">
+                <a:solidFill>
+                  <a:schemeClr val="tx1"/>
+                </a:solidFill>
+              </a:rPr>
+              <a:t>Escreva o código</a:t>
+            </a:r>
+          </a:p>
+          <a:p>
+            <a:r>
+              <a:rPr lang="pt-BR" b="1" dirty="0" err="1">
+                <a:solidFill>
+                  <a:schemeClr val="tx1"/>
+                </a:solidFill>
+              </a:rPr>
+              <a:t>Console.Log</a:t>
+            </a:r>
+            <a:endParaRPr lang="pt-BR" b="1" dirty="0">
+              <a:solidFill>
+                <a:schemeClr val="tx1"/>
+              </a:solidFill>
+            </a:endParaRPr>
+          </a:p>
+        </p:txBody>
+      </p:sp>
+      <p:cxnSp>
+        <p:nvCxnSpPr>
+          <p:cNvPr id="11" name="Conector de Seta Reta 10">
+            <a:extLst>
+              <a:ext uri="{FF2B5EF4-FFF2-40B4-BE49-F238E27FC236}">
+                <a16:creationId xmlns:a16="http://schemas.microsoft.com/office/drawing/2014/main" id="{7DB24B01-BB67-7ED3-D5B7-29957E12F27B}"/>
+              </a:ext>
+            </a:extLst>
+          </p:cNvPr>
+          <p:cNvCxnSpPr>
+            <a:cxnSpLocks/>
+            <a:stCxn id="9" idx="0"/>
+          </p:cNvCxnSpPr>
+          <p:nvPr/>
+        </p:nvCxnSpPr>
+        <p:spPr>
+          <a:xfrm flipH="1" flipV="1">
+            <a:off x="6364043" y="1531210"/>
+            <a:ext cx="560295" cy="425810"/>
+          </a:xfrm>
+          <a:prstGeom prst="straightConnector1">
+            <a:avLst/>
+          </a:prstGeom>
+          <a:ln>
+            <a:tailEnd type="triangle"/>
+          </a:ln>
+        </p:spPr>
+        <p:style>
+          <a:lnRef idx="1">
+            <a:schemeClr val="accent1"/>
+          </a:lnRef>
+          <a:fillRef idx="0">
+            <a:schemeClr val="accent1"/>
+          </a:fillRef>
+          <a:effectRef idx="0">
+            <a:schemeClr val="accent1"/>
+          </a:effectRef>
+          <a:fontRef idx="minor">
+            <a:schemeClr val="tx1"/>
+          </a:fontRef>
+        </p:style>
+      </p:cxnSp>
+      <p:sp>
+        <p:nvSpPr>
+          <p:cNvPr id="14" name="CaixaDeTexto 13">
+            <a:extLst>
+              <a:ext uri="{FF2B5EF4-FFF2-40B4-BE49-F238E27FC236}">
+                <a16:creationId xmlns:a16="http://schemas.microsoft.com/office/drawing/2014/main" id="{7C71D171-94DE-DBE8-84B6-819323CD1A4C}"/>
+              </a:ext>
+            </a:extLst>
+          </p:cNvPr>
+          <p:cNvSpPr txBox="1"/>
+          <p:nvPr/>
+        </p:nvSpPr>
+        <p:spPr>
+          <a:xfrm>
+            <a:off x="10286100" y="1531210"/>
+            <a:ext cx="1463043" cy="369332"/>
+          </a:xfrm>
+          <a:prstGeom prst="rect">
+            <a:avLst/>
+          </a:prstGeom>
+        </p:spPr>
+        <p:style>
+          <a:lnRef idx="2">
+            <a:schemeClr val="accent1">
+              <a:shade val="50000"/>
+            </a:schemeClr>
+          </a:lnRef>
+          <a:fillRef idx="1">
+            <a:schemeClr val="accent1"/>
+          </a:fillRef>
+          <a:effectRef idx="0">
+            <a:schemeClr val="accent1"/>
+          </a:effectRef>
+          <a:fontRef idx="minor">
+            <a:schemeClr val="lt1"/>
+          </a:fontRef>
+        </p:style>
+        <p:txBody>
+          <a:bodyPr wrap="square" rtlCol="0">
+            <a:spAutoFit/>
+          </a:bodyPr>
+          <a:lstStyle/>
+          <a:p>
+            <a:r>
+              <a:rPr lang="pt-BR" b="1" dirty="0">
+                <a:solidFill>
+                  <a:schemeClr val="tx1"/>
+                </a:solidFill>
+              </a:rPr>
+              <a:t>Executar F5</a:t>
+            </a:r>
+          </a:p>
+        </p:txBody>
+      </p:sp>
+      <p:cxnSp>
+        <p:nvCxnSpPr>
+          <p:cNvPr id="15" name="Conector de Seta Reta 14">
+            <a:extLst>
+              <a:ext uri="{FF2B5EF4-FFF2-40B4-BE49-F238E27FC236}">
+                <a16:creationId xmlns:a16="http://schemas.microsoft.com/office/drawing/2014/main" id="{A5FCCB1D-F9D6-A699-1D9D-FE582EA5F689}"/>
+              </a:ext>
+            </a:extLst>
+          </p:cNvPr>
+          <p:cNvCxnSpPr>
+            <a:cxnSpLocks/>
+          </p:cNvCxnSpPr>
+          <p:nvPr/>
+        </p:nvCxnSpPr>
+        <p:spPr>
+          <a:xfrm flipV="1">
+            <a:off x="10908254" y="535221"/>
+            <a:ext cx="560295" cy="916625"/>
+          </a:xfrm>
+          <a:prstGeom prst="straightConnector1">
+            <a:avLst/>
+          </a:prstGeom>
+          <a:ln>
+            <a:tailEnd type="triangle"/>
+          </a:ln>
+        </p:spPr>
+        <p:style>
+          <a:lnRef idx="1">
+            <a:schemeClr val="accent1"/>
+          </a:lnRef>
+          <a:fillRef idx="0">
+            <a:schemeClr val="accent1"/>
+          </a:fillRef>
+          <a:effectRef idx="0">
+            <a:schemeClr val="accent1"/>
+          </a:effectRef>
+          <a:fontRef idx="minor">
+            <a:schemeClr val="tx1"/>
+          </a:fontRef>
+        </p:style>
+      </p:cxnSp>
+    </p:spTree>
+    <p:extLst>
+      <p:ext uri="{BB962C8B-B14F-4D97-AF65-F5344CB8AC3E}">
+        <p14:creationId xmlns:p14="http://schemas.microsoft.com/office/powerpoint/2010/main" val="2955750074"/>
+      </p:ext>
+    </p:extLst>
+  </p:cSld>
+  <p:clrMapOvr>
+    <a:masterClrMapping/>
+  </p:clrMapOvr>
+</p:sld>
+</file>
+
+<file path=ppt/slides/slide12.xml><?xml version="1.0" encoding="utf-8"?>
+<p:sld xmlns:a="http://schemas.openxmlformats.org/drawingml/2006/main" xmlns:r="http://schemas.openxmlformats.org/officeDocument/2006/relationships" xmlns:p="http://schemas.openxmlformats.org/presentationml/2006/main">
+  <p:cSld>
+    <p:spTree>
+      <p:nvGrpSpPr>
+        <p:cNvPr id="1" name=""/>
+        <p:cNvGrpSpPr/>
+        <p:nvPr/>
+      </p:nvGrpSpPr>
+      <p:grpSpPr>
+        <a:xfrm>
+          <a:off x="0" y="0"/>
+          <a:ext cx="0" cy="0"/>
+          <a:chOff x="0" y="0"/>
+          <a:chExt cx="0" cy="0"/>
+        </a:xfrm>
+      </p:grpSpPr>
+      <p:pic>
+        <p:nvPicPr>
+          <p:cNvPr id="7" name="Imagem 6">
+            <a:extLst>
+              <a:ext uri="{FF2B5EF4-FFF2-40B4-BE49-F238E27FC236}">
+                <a16:creationId xmlns:a16="http://schemas.microsoft.com/office/drawing/2014/main" id="{A82C49D5-81AD-3F71-6B51-9C039D49D765}"/>
+              </a:ext>
+            </a:extLst>
+          </p:cNvPr>
+          <p:cNvPicPr>
+            <a:picLocks noChangeAspect="1"/>
+          </p:cNvPicPr>
+          <p:nvPr/>
+        </p:nvPicPr>
+        <p:blipFill>
+          <a:blip r:embed="rId2"/>
+          <a:stretch>
+            <a:fillRect/>
+          </a:stretch>
+        </p:blipFill>
+        <p:spPr>
+          <a:xfrm>
+            <a:off x="0" y="0"/>
+            <a:ext cx="5867808" cy="6858000"/>
+          </a:xfrm>
+          <a:prstGeom prst="rect">
+            <a:avLst/>
+          </a:prstGeom>
+        </p:spPr>
+      </p:pic>
+      <p:pic>
+        <p:nvPicPr>
+          <p:cNvPr id="9" name="Imagem 8">
+            <a:extLst>
+              <a:ext uri="{FF2B5EF4-FFF2-40B4-BE49-F238E27FC236}">
+                <a16:creationId xmlns:a16="http://schemas.microsoft.com/office/drawing/2014/main" id="{2B3209E9-2FA7-37C8-5982-93B8F54DF794}"/>
+              </a:ext>
+            </a:extLst>
+          </p:cNvPr>
+          <p:cNvPicPr>
+            <a:picLocks noChangeAspect="1"/>
+          </p:cNvPicPr>
+          <p:nvPr/>
+        </p:nvPicPr>
+        <p:blipFill>
+          <a:blip r:embed="rId3"/>
+          <a:stretch>
+            <a:fillRect/>
+          </a:stretch>
+        </p:blipFill>
+        <p:spPr>
+          <a:xfrm>
+            <a:off x="6096000" y="1878476"/>
+            <a:ext cx="6096000" cy="3101048"/>
+          </a:xfrm>
+          <a:prstGeom prst="rect">
+            <a:avLst/>
+          </a:prstGeom>
+        </p:spPr>
+      </p:pic>
+      <p:cxnSp>
+        <p:nvCxnSpPr>
+          <p:cNvPr id="11" name="Conector de Seta Reta 10">
+            <a:extLst>
+              <a:ext uri="{FF2B5EF4-FFF2-40B4-BE49-F238E27FC236}">
+                <a16:creationId xmlns:a16="http://schemas.microsoft.com/office/drawing/2014/main" id="{D33C66C8-C2EF-41B0-AB51-E8200236B524}"/>
+              </a:ext>
+            </a:extLst>
+          </p:cNvPr>
+          <p:cNvCxnSpPr/>
+          <p:nvPr/>
+        </p:nvCxnSpPr>
+        <p:spPr>
+          <a:xfrm flipV="1">
+            <a:off x="5766099" y="3969572"/>
+            <a:ext cx="1312433" cy="139849"/>
+          </a:xfrm>
+          <a:prstGeom prst="straightConnector1">
+            <a:avLst/>
+          </a:prstGeom>
+          <a:ln>
+            <a:tailEnd type="triangle"/>
+          </a:ln>
+        </p:spPr>
+        <p:style>
+          <a:lnRef idx="1">
+            <a:schemeClr val="accent1"/>
+          </a:lnRef>
+          <a:fillRef idx="0">
+            <a:schemeClr val="accent1"/>
+          </a:fillRef>
+          <a:effectRef idx="0">
+            <a:schemeClr val="accent1"/>
+          </a:effectRef>
+          <a:fontRef idx="minor">
+            <a:schemeClr val="tx1"/>
+          </a:fontRef>
+        </p:style>
+      </p:cxnSp>
+    </p:spTree>
+    <p:extLst>
+      <p:ext uri="{BB962C8B-B14F-4D97-AF65-F5344CB8AC3E}">
+        <p14:creationId xmlns:p14="http://schemas.microsoft.com/office/powerpoint/2010/main" val="4103372327"/>
+      </p:ext>
+    </p:extLst>
+  </p:cSld>
+  <p:clrMapOvr>
+    <a:masterClrMapping/>
+  </p:clrMapOvr>
+</p:sld>
+</file>
+
 <file path=ppt/slides/slide2.xml><?xml version="1.0" encoding="utf-8"?>
 <p:sld xmlns:a="http://schemas.openxmlformats.org/drawingml/2006/main" xmlns:r="http://schemas.openxmlformats.org/officeDocument/2006/relationships" xmlns:p="http://schemas.openxmlformats.org/presentationml/2006/main">
   <p:cSld>
@@ -6564,10 +7275,10 @@
       </p:grpSpPr>
       <p:pic>
         <p:nvPicPr>
-          <p:cNvPr id="6" name="Imagem 5">
+          <p:cNvPr id="3" name="Imagem 2">
             <a:extLst>
               <a:ext uri="{FF2B5EF4-FFF2-40B4-BE49-F238E27FC236}">
-                <a16:creationId xmlns:a16="http://schemas.microsoft.com/office/drawing/2014/main" id="{3336733A-8B38-9DAE-0751-17471C46A92B}"/>
+                <a16:creationId xmlns:a16="http://schemas.microsoft.com/office/drawing/2014/main" id="{BB839EC3-8080-60AD-71D8-47673DDE61E4}"/>
               </a:ext>
             </a:extLst>
           </p:cNvPr>
@@ -6584,20 +7295,50 @@
         </p:blipFill>
         <p:spPr>
           <a:xfrm>
-            <a:off x="0" y="0"/>
-            <a:ext cx="12192000" cy="6858000"/>
+            <a:off x="0" y="-1"/>
+            <a:ext cx="12192000" cy="6734287"/>
           </a:xfrm>
           <a:prstGeom prst="rect">
             <a:avLst/>
           </a:prstGeom>
         </p:spPr>
       </p:pic>
-      <p:sp>
-        <p:nvSpPr>
-          <p:cNvPr id="4" name="Seta: para Baixo 3">
+      <p:pic>
+        <p:nvPicPr>
+          <p:cNvPr id="6" name="Imagem 5">
             <a:extLst>
               <a:ext uri="{FF2B5EF4-FFF2-40B4-BE49-F238E27FC236}">
-                <a16:creationId xmlns:a16="http://schemas.microsoft.com/office/drawing/2014/main" id="{97C64DD9-DA12-588D-BD96-FF5129E4CA4B}"/>
+                <a16:creationId xmlns:a16="http://schemas.microsoft.com/office/drawing/2014/main" id="{CEA57144-EE6A-12D4-1D11-4BE2E51E63F1}"/>
+              </a:ext>
+            </a:extLst>
+          </p:cNvPr>
+          <p:cNvPicPr>
+            <a:picLocks noChangeAspect="1"/>
+          </p:cNvPicPr>
+          <p:nvPr/>
+        </p:nvPicPr>
+        <p:blipFill>
+          <a:blip r:embed="rId3"/>
+          <a:stretch>
+            <a:fillRect/>
+          </a:stretch>
+        </p:blipFill>
+        <p:spPr>
+          <a:xfrm>
+            <a:off x="6523834" y="3367142"/>
+            <a:ext cx="5668166" cy="3496163"/>
+          </a:xfrm>
+          <a:prstGeom prst="rect">
+            <a:avLst/>
+          </a:prstGeom>
+        </p:spPr>
+      </p:pic>
+      <p:sp>
+        <p:nvSpPr>
+          <p:cNvPr id="7" name="Seta: para a Direita 6">
+            <a:extLst>
+              <a:ext uri="{FF2B5EF4-FFF2-40B4-BE49-F238E27FC236}">
+                <a16:creationId xmlns:a16="http://schemas.microsoft.com/office/drawing/2014/main" id="{8D414421-4B26-B89F-C6BC-FF62D59E0363}"/>
               </a:ext>
             </a:extLst>
           </p:cNvPr>
@@ -6605,11 +7346,11 @@
           <p:nvPr/>
         </p:nvSpPr>
         <p:spPr>
-          <a:xfrm rot="7114163">
-            <a:off x="2086180" y="1171105"/>
-            <a:ext cx="720762" cy="527125"/>
-          </a:xfrm>
-          <a:prstGeom prst="downArrow">
+          <a:xfrm>
+            <a:off x="5414685" y="3367142"/>
+            <a:ext cx="1000461" cy="871369"/>
+          </a:xfrm>
+          <a:prstGeom prst="rightArrow">
             <a:avLst/>
           </a:prstGeom>
         </p:spPr>
@@ -6640,54 +7381,44 @@
       </p:sp>
       <p:sp>
         <p:nvSpPr>
-          <p:cNvPr id="5" name="Seta: para Baixo 4">
+          <p:cNvPr id="8" name="CaixaDeTexto 7">
             <a:extLst>
               <a:ext uri="{FF2B5EF4-FFF2-40B4-BE49-F238E27FC236}">
-                <a16:creationId xmlns:a16="http://schemas.microsoft.com/office/drawing/2014/main" id="{AC426CCE-BF62-03D4-4A7D-8006774BC34C}"/>
+                <a16:creationId xmlns:a16="http://schemas.microsoft.com/office/drawing/2014/main" id="{C2088688-8065-9928-F29D-19125BA62365}"/>
               </a:ext>
             </a:extLst>
           </p:cNvPr>
-          <p:cNvSpPr/>
+          <p:cNvSpPr txBox="1"/>
           <p:nvPr/>
         </p:nvSpPr>
         <p:spPr>
-          <a:xfrm rot="12909798">
-            <a:off x="3981318" y="1764568"/>
-            <a:ext cx="720762" cy="527125"/>
-          </a:xfrm>
-          <a:prstGeom prst="downArrow">
+          <a:xfrm>
+            <a:off x="3477197" y="3618160"/>
+            <a:ext cx="1828800" cy="369332"/>
+          </a:xfrm>
+          <a:prstGeom prst="rect">
             <a:avLst/>
           </a:prstGeom>
-        </p:spPr>
-        <p:style>
-          <a:lnRef idx="2">
-            <a:schemeClr val="accent1">
-              <a:shade val="50000"/>
-            </a:schemeClr>
-          </a:lnRef>
-          <a:fillRef idx="1">
-            <a:schemeClr val="accent1"/>
-          </a:fillRef>
-          <a:effectRef idx="0">
-            <a:schemeClr val="accent1"/>
-          </a:effectRef>
-          <a:fontRef idx="minor">
-            <a:schemeClr val="lt1"/>
-          </a:fontRef>
-        </p:style>
-        <p:txBody>
-          <a:bodyPr rtlCol="0" anchor="ctr"/>
+          <a:noFill/>
+        </p:spPr>
+        <p:txBody>
+          <a:bodyPr wrap="square" rtlCol="0">
+            <a:spAutoFit/>
+          </a:bodyPr>
           <a:lstStyle/>
           <a:p>
-            <a:pPr algn="ctr"/>
-            <a:endParaRPr lang="pt-BR"/>
+            <a:r>
+              <a:rPr lang="pt-BR" b="1" dirty="0" err="1"/>
+              <a:t>CTRL+Shift+P</a:t>
+            </a:r>
+            <a:endParaRPr lang="pt-BR" b="1" dirty="0"/>
           </a:p>
         </p:txBody>
       </p:sp>
     </p:spTree>
     <p:extLst>
       <p:ext uri="{BB962C8B-B14F-4D97-AF65-F5344CB8AC3E}">
-        <p14:creationId xmlns:p14="http://schemas.microsoft.com/office/powerpoint/2010/main" val="2231554213"/>
+        <p14:creationId xmlns:p14="http://schemas.microsoft.com/office/powerpoint/2010/main" val="846376582"/>
       </p:ext>
     </p:extLst>
   </p:cSld>
@@ -6716,10 +7447,10 @@
       </p:grpSpPr>
       <p:pic>
         <p:nvPicPr>
-          <p:cNvPr id="6" name="Imagem 5">
+          <p:cNvPr id="3" name="Imagem 2">
             <a:extLst>
               <a:ext uri="{FF2B5EF4-FFF2-40B4-BE49-F238E27FC236}">
-                <a16:creationId xmlns:a16="http://schemas.microsoft.com/office/drawing/2014/main" id="{09F8100F-3F42-0A68-7DFC-9486A37975B1}"/>
+                <a16:creationId xmlns:a16="http://schemas.microsoft.com/office/drawing/2014/main" id="{4F51271F-BEAD-2918-33FE-74E3FCBBEDAC}"/>
               </a:ext>
             </a:extLst>
           </p:cNvPr>
@@ -6737,7 +7468,7 @@
         <p:spPr>
           <a:xfrm>
             <a:off x="0" y="0"/>
-            <a:ext cx="3962953" cy="6858000"/>
+            <a:ext cx="12192000" cy="6858000"/>
           </a:xfrm>
           <a:prstGeom prst="rect">
             <a:avLst/>
@@ -6746,22 +7477,22 @@
       </p:pic>
       <p:sp>
         <p:nvSpPr>
-          <p:cNvPr id="7" name="CaixaDeTexto 6">
+          <p:cNvPr id="4" name="Seta: para a Direita 3">
             <a:extLst>
               <a:ext uri="{FF2B5EF4-FFF2-40B4-BE49-F238E27FC236}">
-                <a16:creationId xmlns:a16="http://schemas.microsoft.com/office/drawing/2014/main" id="{2AC170C4-9491-2CEB-0C17-E9EAC58BB31A}"/>
+                <a16:creationId xmlns:a16="http://schemas.microsoft.com/office/drawing/2014/main" id="{76201F9B-B746-9D36-5D77-099C3169E971}"/>
               </a:ext>
             </a:extLst>
           </p:cNvPr>
-          <p:cNvSpPr txBox="1"/>
+          <p:cNvSpPr/>
           <p:nvPr/>
         </p:nvSpPr>
         <p:spPr>
-          <a:xfrm>
-            <a:off x="4184724" y="1893346"/>
-            <a:ext cx="2452744" cy="923330"/>
-          </a:xfrm>
-          <a:prstGeom prst="rect">
+          <a:xfrm rot="9064714">
+            <a:off x="2467090" y="527124"/>
+            <a:ext cx="1000461" cy="871369"/>
+          </a:xfrm>
+          <a:prstGeom prst="rightArrow">
             <a:avLst/>
           </a:prstGeom>
         </p:spPr>
@@ -6782,120 +7513,64 @@
           </a:fontRef>
         </p:style>
         <p:txBody>
-          <a:bodyPr wrap="square" rtlCol="0">
-            <a:spAutoFit/>
-          </a:bodyPr>
+          <a:bodyPr rtlCol="0" anchor="ctr"/>
           <a:lstStyle/>
           <a:p>
-            <a:r>
-              <a:rPr lang="pt-BR" b="1" dirty="0">
-                <a:solidFill>
-                  <a:schemeClr val="tx1"/>
-                </a:solidFill>
-              </a:rPr>
-              <a:t>Crie uma pasta</a:t>
-            </a:r>
-          </a:p>
-          <a:p>
-            <a:r>
-              <a:rPr lang="pt-BR" b="1" dirty="0">
-                <a:solidFill>
-                  <a:schemeClr val="tx1"/>
-                </a:solidFill>
-              </a:rPr>
-              <a:t>Depois abra a pasta no </a:t>
-            </a:r>
-            <a:r>
-              <a:rPr lang="pt-BR" b="1" dirty="0" err="1">
-                <a:solidFill>
-                  <a:schemeClr val="tx1"/>
-                </a:solidFill>
-              </a:rPr>
-              <a:t>VSCode</a:t>
-            </a:r>
-            <a:endParaRPr lang="pt-BR" b="1" dirty="0">
-              <a:solidFill>
-                <a:schemeClr val="tx1"/>
-              </a:solidFill>
-            </a:endParaRPr>
-          </a:p>
-        </p:txBody>
-      </p:sp>
-      <p:cxnSp>
-        <p:nvCxnSpPr>
-          <p:cNvPr id="9" name="Conector de Seta Reta 8">
+            <a:pPr algn="ctr"/>
+            <a:endParaRPr lang="pt-BR"/>
+          </a:p>
+        </p:txBody>
+      </p:sp>
+      <p:sp>
+        <p:nvSpPr>
+          <p:cNvPr id="5" name="Seta: para a Direita 4">
             <a:extLst>
               <a:ext uri="{FF2B5EF4-FFF2-40B4-BE49-F238E27FC236}">
-                <a16:creationId xmlns:a16="http://schemas.microsoft.com/office/drawing/2014/main" id="{916BAF64-032E-83D0-3268-C94A8076BABC}"/>
+                <a16:creationId xmlns:a16="http://schemas.microsoft.com/office/drawing/2014/main" id="{BC0715E7-268C-14B2-2632-4C253A88F257}"/>
               </a:ext>
             </a:extLst>
           </p:cNvPr>
-          <p:cNvCxnSpPr>
-            <a:cxnSpLocks/>
-          </p:cNvCxnSpPr>
+          <p:cNvSpPr/>
           <p:nvPr/>
-        </p:nvCxnSpPr>
+        </p:nvSpPr>
         <p:spPr>
-          <a:xfrm flipV="1">
-            <a:off x="2710927" y="570155"/>
-            <a:ext cx="3041105" cy="1441525"/>
-          </a:xfrm>
-          <a:prstGeom prst="straightConnector1">
+          <a:xfrm rot="9064714">
+            <a:off x="230139" y="892622"/>
+            <a:ext cx="386489" cy="352358"/>
+          </a:xfrm>
+          <a:prstGeom prst="rightArrow">
             <a:avLst/>
           </a:prstGeom>
-          <a:ln>
-            <a:tailEnd type="triangle"/>
-          </a:ln>
         </p:spPr>
         <p:style>
-          <a:lnRef idx="1">
-            <a:schemeClr val="accent1"/>
+          <a:lnRef idx="2">
+            <a:schemeClr val="accent1">
+              <a:shade val="50000"/>
+            </a:schemeClr>
           </a:lnRef>
-          <a:fillRef idx="0">
+          <a:fillRef idx="1">
             <a:schemeClr val="accent1"/>
           </a:fillRef>
           <a:effectRef idx="0">
             <a:schemeClr val="accent1"/>
           </a:effectRef>
           <a:fontRef idx="minor">
-            <a:schemeClr val="tx1"/>
+            <a:schemeClr val="lt1"/>
           </a:fontRef>
         </p:style>
-      </p:cxnSp>
-      <p:pic>
-        <p:nvPicPr>
-          <p:cNvPr id="4" name="Imagem 3">
-            <a:extLst>
-              <a:ext uri="{FF2B5EF4-FFF2-40B4-BE49-F238E27FC236}">
-                <a16:creationId xmlns:a16="http://schemas.microsoft.com/office/drawing/2014/main" id="{29F0A2CE-77F2-A429-F81A-ACFD91AC8D60}"/>
-              </a:ext>
-            </a:extLst>
-          </p:cNvPr>
-          <p:cNvPicPr>
-            <a:picLocks noChangeAspect="1"/>
-          </p:cNvPicPr>
-          <p:nvPr/>
-        </p:nvPicPr>
-        <p:blipFill>
-          <a:blip r:embed="rId3"/>
-          <a:stretch>
-            <a:fillRect/>
-          </a:stretch>
-        </p:blipFill>
-        <p:spPr>
-          <a:xfrm>
-            <a:off x="5826037" y="136707"/>
-            <a:ext cx="847843" cy="866896"/>
-          </a:xfrm>
-          <a:prstGeom prst="rect">
-            <a:avLst/>
-          </a:prstGeom>
-        </p:spPr>
-      </p:pic>
+        <p:txBody>
+          <a:bodyPr rtlCol="0" anchor="ctr"/>
+          <a:lstStyle/>
+          <a:p>
+            <a:pPr algn="ctr"/>
+            <a:endParaRPr lang="pt-BR"/>
+          </a:p>
+        </p:txBody>
+      </p:sp>
     </p:spTree>
     <p:extLst>
       <p:ext uri="{BB962C8B-B14F-4D97-AF65-F5344CB8AC3E}">
-        <p14:creationId xmlns:p14="http://schemas.microsoft.com/office/powerpoint/2010/main" val="2165762738"/>
+        <p14:creationId xmlns:p14="http://schemas.microsoft.com/office/powerpoint/2010/main" val="1070582305"/>
       </p:ext>
     </p:extLst>
   </p:cSld>
@@ -6924,10 +7599,10 @@
       </p:grpSpPr>
       <p:pic>
         <p:nvPicPr>
-          <p:cNvPr id="4" name="Imagem 3">
+          <p:cNvPr id="3" name="Imagem 2">
             <a:extLst>
               <a:ext uri="{FF2B5EF4-FFF2-40B4-BE49-F238E27FC236}">
-                <a16:creationId xmlns:a16="http://schemas.microsoft.com/office/drawing/2014/main" id="{3CF2275A-008A-7B7F-C7CE-F7FD5EC5129F}"/>
+                <a16:creationId xmlns:a16="http://schemas.microsoft.com/office/drawing/2014/main" id="{37CE1747-90AA-8A76-60C7-53CCF6EB9F8D}"/>
               </a:ext>
             </a:extLst>
           </p:cNvPr>
@@ -6944,8 +7619,8 @@
         </p:blipFill>
         <p:spPr>
           <a:xfrm>
-            <a:off x="74912" y="144584"/>
-            <a:ext cx="12117088" cy="6713415"/>
+            <a:off x="0" y="0"/>
+            <a:ext cx="12192000" cy="6858000"/>
           </a:xfrm>
           <a:prstGeom prst="rect">
             <a:avLst/>
@@ -6954,22 +7629,22 @@
       </p:pic>
       <p:sp>
         <p:nvSpPr>
-          <p:cNvPr id="5" name="CaixaDeTexto 4">
+          <p:cNvPr id="4" name="Seta: para a Direita 3">
             <a:extLst>
               <a:ext uri="{FF2B5EF4-FFF2-40B4-BE49-F238E27FC236}">
-                <a16:creationId xmlns:a16="http://schemas.microsoft.com/office/drawing/2014/main" id="{44AB5B33-B7D2-8BB4-208C-4110683C6A56}"/>
+                <a16:creationId xmlns:a16="http://schemas.microsoft.com/office/drawing/2014/main" id="{7CBEC1EF-BA47-9510-1643-12D27F99645A}"/>
               </a:ext>
             </a:extLst>
           </p:cNvPr>
-          <p:cNvSpPr txBox="1"/>
+          <p:cNvSpPr/>
           <p:nvPr/>
         </p:nvSpPr>
         <p:spPr>
-          <a:xfrm>
-            <a:off x="559396" y="2732443"/>
-            <a:ext cx="2969111" cy="646331"/>
-          </a:xfrm>
-          <a:prstGeom prst="rect">
+          <a:xfrm rot="9064714">
+            <a:off x="2047542" y="344244"/>
+            <a:ext cx="1000461" cy="871369"/>
+          </a:xfrm>
+          <a:prstGeom prst="rightArrow">
             <a:avLst/>
           </a:prstGeom>
         </p:spPr>
@@ -6990,283 +7665,18 @@
           </a:fontRef>
         </p:style>
         <p:txBody>
-          <a:bodyPr wrap="square" rtlCol="0">
-            <a:spAutoFit/>
-          </a:bodyPr>
+          <a:bodyPr rtlCol="0" anchor="ctr"/>
           <a:lstStyle/>
           <a:p>
-            <a:r>
-              <a:rPr lang="pt-BR" b="1" dirty="0">
-                <a:solidFill>
-                  <a:schemeClr val="tx1"/>
-                </a:solidFill>
-              </a:rPr>
-              <a:t>Criar Primeiro arquivo</a:t>
-            </a:r>
-          </a:p>
-          <a:p>
-            <a:r>
-              <a:rPr lang="pt-BR" b="1" dirty="0">
-                <a:solidFill>
-                  <a:schemeClr val="tx1"/>
-                </a:solidFill>
-              </a:rPr>
-              <a:t>Aula1.JS</a:t>
-            </a:r>
-          </a:p>
-        </p:txBody>
-      </p:sp>
-      <p:cxnSp>
-        <p:nvCxnSpPr>
-          <p:cNvPr id="7" name="Conector de Seta Reta 6">
-            <a:extLst>
-              <a:ext uri="{FF2B5EF4-FFF2-40B4-BE49-F238E27FC236}">
-                <a16:creationId xmlns:a16="http://schemas.microsoft.com/office/drawing/2014/main" id="{E847693E-B158-5CD9-7BA3-30704D6D2437}"/>
-              </a:ext>
-            </a:extLst>
-          </p:cNvPr>
-          <p:cNvCxnSpPr>
-            <a:cxnSpLocks/>
-          </p:cNvCxnSpPr>
-          <p:nvPr/>
-        </p:nvCxnSpPr>
-        <p:spPr>
-          <a:xfrm flipV="1">
-            <a:off x="1796527" y="1686726"/>
-            <a:ext cx="1850315" cy="916625"/>
-          </a:xfrm>
-          <a:prstGeom prst="straightConnector1">
-            <a:avLst/>
-          </a:prstGeom>
-          <a:ln>
-            <a:tailEnd type="triangle"/>
-          </a:ln>
-        </p:spPr>
-        <p:style>
-          <a:lnRef idx="1">
-            <a:schemeClr val="accent1"/>
-          </a:lnRef>
-          <a:fillRef idx="0">
-            <a:schemeClr val="accent1"/>
-          </a:fillRef>
-          <a:effectRef idx="0">
-            <a:schemeClr val="accent1"/>
-          </a:effectRef>
-          <a:fontRef idx="minor">
-            <a:schemeClr val="tx1"/>
-          </a:fontRef>
-        </p:style>
-      </p:cxnSp>
-      <p:sp>
-        <p:nvSpPr>
-          <p:cNvPr id="9" name="CaixaDeTexto 8">
-            <a:extLst>
-              <a:ext uri="{FF2B5EF4-FFF2-40B4-BE49-F238E27FC236}">
-                <a16:creationId xmlns:a16="http://schemas.microsoft.com/office/drawing/2014/main" id="{AC5A6E8D-39E0-0F39-E7B5-A747C8233464}"/>
-              </a:ext>
-            </a:extLst>
-          </p:cNvPr>
-          <p:cNvSpPr txBox="1"/>
-          <p:nvPr/>
-        </p:nvSpPr>
-        <p:spPr>
-          <a:xfrm>
-            <a:off x="5439782" y="1957020"/>
-            <a:ext cx="2969111" cy="646331"/>
-          </a:xfrm>
-          <a:prstGeom prst="rect">
-            <a:avLst/>
-          </a:prstGeom>
-        </p:spPr>
-        <p:style>
-          <a:lnRef idx="2">
-            <a:schemeClr val="accent1">
-              <a:shade val="50000"/>
-            </a:schemeClr>
-          </a:lnRef>
-          <a:fillRef idx="1">
-            <a:schemeClr val="accent1"/>
-          </a:fillRef>
-          <a:effectRef idx="0">
-            <a:schemeClr val="accent1"/>
-          </a:effectRef>
-          <a:fontRef idx="minor">
-            <a:schemeClr val="lt1"/>
-          </a:fontRef>
-        </p:style>
-        <p:txBody>
-          <a:bodyPr wrap="square" rtlCol="0">
-            <a:spAutoFit/>
-          </a:bodyPr>
-          <a:lstStyle/>
-          <a:p>
-            <a:r>
-              <a:rPr lang="pt-BR" b="1" dirty="0">
-                <a:solidFill>
-                  <a:schemeClr val="tx1"/>
-                </a:solidFill>
-              </a:rPr>
-              <a:t>Escreva o código</a:t>
-            </a:r>
-          </a:p>
-          <a:p>
-            <a:r>
-              <a:rPr lang="pt-BR" b="1" dirty="0" err="1">
-                <a:solidFill>
-                  <a:schemeClr val="tx1"/>
-                </a:solidFill>
-              </a:rPr>
-              <a:t>Console.Log</a:t>
-            </a:r>
-            <a:endParaRPr lang="pt-BR" b="1" dirty="0">
-              <a:solidFill>
-                <a:schemeClr val="tx1"/>
-              </a:solidFill>
-            </a:endParaRPr>
-          </a:p>
-        </p:txBody>
-      </p:sp>
-      <p:cxnSp>
-        <p:nvCxnSpPr>
-          <p:cNvPr id="11" name="Conector de Seta Reta 10">
-            <a:extLst>
-              <a:ext uri="{FF2B5EF4-FFF2-40B4-BE49-F238E27FC236}">
-                <a16:creationId xmlns:a16="http://schemas.microsoft.com/office/drawing/2014/main" id="{7DB24B01-BB67-7ED3-D5B7-29957E12F27B}"/>
-              </a:ext>
-            </a:extLst>
-          </p:cNvPr>
-          <p:cNvCxnSpPr>
-            <a:cxnSpLocks/>
-            <a:stCxn id="9" idx="0"/>
-          </p:cNvCxnSpPr>
-          <p:nvPr/>
-        </p:nvCxnSpPr>
-        <p:spPr>
-          <a:xfrm flipH="1" flipV="1">
-            <a:off x="6364043" y="1531210"/>
-            <a:ext cx="560295" cy="425810"/>
-          </a:xfrm>
-          <a:prstGeom prst="straightConnector1">
-            <a:avLst/>
-          </a:prstGeom>
-          <a:ln>
-            <a:tailEnd type="triangle"/>
-          </a:ln>
-        </p:spPr>
-        <p:style>
-          <a:lnRef idx="1">
-            <a:schemeClr val="accent1"/>
-          </a:lnRef>
-          <a:fillRef idx="0">
-            <a:schemeClr val="accent1"/>
-          </a:fillRef>
-          <a:effectRef idx="0">
-            <a:schemeClr val="accent1"/>
-          </a:effectRef>
-          <a:fontRef idx="minor">
-            <a:schemeClr val="tx1"/>
-          </a:fontRef>
-        </p:style>
-      </p:cxnSp>
-      <p:sp>
-        <p:nvSpPr>
-          <p:cNvPr id="14" name="CaixaDeTexto 13">
-            <a:extLst>
-              <a:ext uri="{FF2B5EF4-FFF2-40B4-BE49-F238E27FC236}">
-                <a16:creationId xmlns:a16="http://schemas.microsoft.com/office/drawing/2014/main" id="{7C71D171-94DE-DBE8-84B6-819323CD1A4C}"/>
-              </a:ext>
-            </a:extLst>
-          </p:cNvPr>
-          <p:cNvSpPr txBox="1"/>
-          <p:nvPr/>
-        </p:nvSpPr>
-        <p:spPr>
-          <a:xfrm>
-            <a:off x="10286100" y="1531210"/>
-            <a:ext cx="1463043" cy="369332"/>
-          </a:xfrm>
-          <a:prstGeom prst="rect">
-            <a:avLst/>
-          </a:prstGeom>
-        </p:spPr>
-        <p:style>
-          <a:lnRef idx="2">
-            <a:schemeClr val="accent1">
-              <a:shade val="50000"/>
-            </a:schemeClr>
-          </a:lnRef>
-          <a:fillRef idx="1">
-            <a:schemeClr val="accent1"/>
-          </a:fillRef>
-          <a:effectRef idx="0">
-            <a:schemeClr val="accent1"/>
-          </a:effectRef>
-          <a:fontRef idx="minor">
-            <a:schemeClr val="lt1"/>
-          </a:fontRef>
-        </p:style>
-        <p:txBody>
-          <a:bodyPr wrap="square" rtlCol="0">
-            <a:spAutoFit/>
-          </a:bodyPr>
-          <a:lstStyle/>
-          <a:p>
-            <a:r>
-              <a:rPr lang="pt-BR" b="1" dirty="0">
-                <a:solidFill>
-                  <a:schemeClr val="tx1"/>
-                </a:solidFill>
-              </a:rPr>
-              <a:t>Executar F5</a:t>
-            </a:r>
-          </a:p>
-        </p:txBody>
-      </p:sp>
-      <p:cxnSp>
-        <p:nvCxnSpPr>
-          <p:cNvPr id="15" name="Conector de Seta Reta 14">
-            <a:extLst>
-              <a:ext uri="{FF2B5EF4-FFF2-40B4-BE49-F238E27FC236}">
-                <a16:creationId xmlns:a16="http://schemas.microsoft.com/office/drawing/2014/main" id="{A5FCCB1D-F9D6-A699-1D9D-FE582EA5F689}"/>
-              </a:ext>
-            </a:extLst>
-          </p:cNvPr>
-          <p:cNvCxnSpPr>
-            <a:cxnSpLocks/>
-          </p:cNvCxnSpPr>
-          <p:nvPr/>
-        </p:nvCxnSpPr>
-        <p:spPr>
-          <a:xfrm flipV="1">
-            <a:off x="10908254" y="535221"/>
-            <a:ext cx="560295" cy="916625"/>
-          </a:xfrm>
-          <a:prstGeom prst="straightConnector1">
-            <a:avLst/>
-          </a:prstGeom>
-          <a:ln>
-            <a:tailEnd type="triangle"/>
-          </a:ln>
-        </p:spPr>
-        <p:style>
-          <a:lnRef idx="1">
-            <a:schemeClr val="accent1"/>
-          </a:lnRef>
-          <a:fillRef idx="0">
-            <a:schemeClr val="accent1"/>
-          </a:fillRef>
-          <a:effectRef idx="0">
-            <a:schemeClr val="accent1"/>
-          </a:effectRef>
-          <a:fontRef idx="minor">
-            <a:schemeClr val="tx1"/>
-          </a:fontRef>
-        </p:style>
-      </p:cxnSp>
+            <a:pPr algn="ctr"/>
+            <a:endParaRPr lang="pt-BR"/>
+          </a:p>
+        </p:txBody>
+      </p:sp>
     </p:spTree>
     <p:extLst>
       <p:ext uri="{BB962C8B-B14F-4D97-AF65-F5344CB8AC3E}">
-        <p14:creationId xmlns:p14="http://schemas.microsoft.com/office/powerpoint/2010/main" val="2955750074"/>
+        <p14:creationId xmlns:p14="http://schemas.microsoft.com/office/powerpoint/2010/main" val="2503971554"/>
       </p:ext>
     </p:extLst>
   </p:cSld>
@@ -7295,10 +7705,10 @@
       </p:grpSpPr>
       <p:pic>
         <p:nvPicPr>
-          <p:cNvPr id="7" name="Imagem 6">
+          <p:cNvPr id="6" name="Imagem 5">
             <a:extLst>
               <a:ext uri="{FF2B5EF4-FFF2-40B4-BE49-F238E27FC236}">
-                <a16:creationId xmlns:a16="http://schemas.microsoft.com/office/drawing/2014/main" id="{A82C49D5-81AD-3F71-6B51-9C039D49D765}"/>
+                <a16:creationId xmlns:a16="http://schemas.microsoft.com/office/drawing/2014/main" id="{3336733A-8B38-9DAE-0751-17471C46A92B}"/>
               </a:ext>
             </a:extLst>
           </p:cNvPr>
@@ -7316,86 +7726,109 @@
         <p:spPr>
           <a:xfrm>
             <a:off x="0" y="0"/>
-            <a:ext cx="5867808" cy="6858000"/>
+            <a:ext cx="12192000" cy="6858000"/>
           </a:xfrm>
           <a:prstGeom prst="rect">
             <a:avLst/>
           </a:prstGeom>
         </p:spPr>
       </p:pic>
-      <p:pic>
-        <p:nvPicPr>
-          <p:cNvPr id="9" name="Imagem 8">
+      <p:sp>
+        <p:nvSpPr>
+          <p:cNvPr id="4" name="Seta: para Baixo 3">
             <a:extLst>
               <a:ext uri="{FF2B5EF4-FFF2-40B4-BE49-F238E27FC236}">
-                <a16:creationId xmlns:a16="http://schemas.microsoft.com/office/drawing/2014/main" id="{2B3209E9-2FA7-37C8-5982-93B8F54DF794}"/>
+                <a16:creationId xmlns:a16="http://schemas.microsoft.com/office/drawing/2014/main" id="{97C64DD9-DA12-588D-BD96-FF5129E4CA4B}"/>
               </a:ext>
             </a:extLst>
           </p:cNvPr>
-          <p:cNvPicPr>
-            <a:picLocks noChangeAspect="1"/>
-          </p:cNvPicPr>
+          <p:cNvSpPr/>
           <p:nvPr/>
-        </p:nvPicPr>
-        <p:blipFill>
-          <a:blip r:embed="rId3"/>
-          <a:stretch>
-            <a:fillRect/>
-          </a:stretch>
-        </p:blipFill>
+        </p:nvSpPr>
         <p:spPr>
-          <a:xfrm>
-            <a:off x="6096000" y="1878476"/>
-            <a:ext cx="6096000" cy="3101048"/>
-          </a:xfrm>
-          <a:prstGeom prst="rect">
+          <a:xfrm rot="7114163">
+            <a:off x="2086180" y="1171105"/>
+            <a:ext cx="720762" cy="527125"/>
+          </a:xfrm>
+          <a:prstGeom prst="downArrow">
             <a:avLst/>
           </a:prstGeom>
         </p:spPr>
-      </p:pic>
-      <p:cxnSp>
-        <p:nvCxnSpPr>
-          <p:cNvPr id="11" name="Conector de Seta Reta 10">
-            <a:extLst>
-              <a:ext uri="{FF2B5EF4-FFF2-40B4-BE49-F238E27FC236}">
-                <a16:creationId xmlns:a16="http://schemas.microsoft.com/office/drawing/2014/main" id="{D33C66C8-C2EF-41B0-AB51-E8200236B524}"/>
-              </a:ext>
-            </a:extLst>
-          </p:cNvPr>
-          <p:cNvCxnSpPr/>
-          <p:nvPr/>
-        </p:nvCxnSpPr>
-        <p:spPr>
-          <a:xfrm flipV="1">
-            <a:off x="5766099" y="3969572"/>
-            <a:ext cx="1312433" cy="139849"/>
-          </a:xfrm>
-          <a:prstGeom prst="straightConnector1">
-            <a:avLst/>
-          </a:prstGeom>
-          <a:ln>
-            <a:tailEnd type="triangle"/>
-          </a:ln>
-        </p:spPr>
         <p:style>
-          <a:lnRef idx="1">
-            <a:schemeClr val="accent1"/>
+          <a:lnRef idx="2">
+            <a:schemeClr val="accent1">
+              <a:shade val="50000"/>
+            </a:schemeClr>
           </a:lnRef>
-          <a:fillRef idx="0">
+          <a:fillRef idx="1">
             <a:schemeClr val="accent1"/>
           </a:fillRef>
           <a:effectRef idx="0">
             <a:schemeClr val="accent1"/>
           </a:effectRef>
           <a:fontRef idx="minor">
-            <a:schemeClr val="tx1"/>
+            <a:schemeClr val="lt1"/>
           </a:fontRef>
         </p:style>
-      </p:cxnSp>
+        <p:txBody>
+          <a:bodyPr rtlCol="0" anchor="ctr"/>
+          <a:lstStyle/>
+          <a:p>
+            <a:pPr algn="ctr"/>
+            <a:endParaRPr lang="pt-BR"/>
+          </a:p>
+        </p:txBody>
+      </p:sp>
+      <p:sp>
+        <p:nvSpPr>
+          <p:cNvPr id="5" name="Seta: para Baixo 4">
+            <a:extLst>
+              <a:ext uri="{FF2B5EF4-FFF2-40B4-BE49-F238E27FC236}">
+                <a16:creationId xmlns:a16="http://schemas.microsoft.com/office/drawing/2014/main" id="{AC426CCE-BF62-03D4-4A7D-8006774BC34C}"/>
+              </a:ext>
+            </a:extLst>
+          </p:cNvPr>
+          <p:cNvSpPr/>
+          <p:nvPr/>
+        </p:nvSpPr>
+        <p:spPr>
+          <a:xfrm rot="12909798">
+            <a:off x="3981318" y="1764568"/>
+            <a:ext cx="720762" cy="527125"/>
+          </a:xfrm>
+          <a:prstGeom prst="downArrow">
+            <a:avLst/>
+          </a:prstGeom>
+        </p:spPr>
+        <p:style>
+          <a:lnRef idx="2">
+            <a:schemeClr val="accent1">
+              <a:shade val="50000"/>
+            </a:schemeClr>
+          </a:lnRef>
+          <a:fillRef idx="1">
+            <a:schemeClr val="accent1"/>
+          </a:fillRef>
+          <a:effectRef idx="0">
+            <a:schemeClr val="accent1"/>
+          </a:effectRef>
+          <a:fontRef idx="minor">
+            <a:schemeClr val="lt1"/>
+          </a:fontRef>
+        </p:style>
+        <p:txBody>
+          <a:bodyPr rtlCol="0" anchor="ctr"/>
+          <a:lstStyle/>
+          <a:p>
+            <a:pPr algn="ctr"/>
+            <a:endParaRPr lang="pt-BR"/>
+          </a:p>
+        </p:txBody>
+      </p:sp>
     </p:spTree>
     <p:extLst>
       <p:ext uri="{BB962C8B-B14F-4D97-AF65-F5344CB8AC3E}">
-        <p14:creationId xmlns:p14="http://schemas.microsoft.com/office/powerpoint/2010/main" val="4103372327"/>
+        <p14:creationId xmlns:p14="http://schemas.microsoft.com/office/powerpoint/2010/main" val="2231554213"/>
       </p:ext>
     </p:extLst>
   </p:cSld>
